--- a/1_SQL/2_PPT/49_Interview/1_Nth Highest Salary.pptx
+++ b/1_SQL/2_PPT/49_Interview/1_Nth Highest Salary.pptx
@@ -6665,6 +6665,219 @@
           <a:chExt cx="0" cy="0"/>
         </a:xfrm>
       </p:grpSpPr>
+      <p:pic>
+        <p:nvPicPr>
+          <p:cNvPr id="3" name="Picture 2">
+            <a:extLst>
+              <a:ext uri="{FF2B5EF4-FFF2-40B4-BE49-F238E27FC236}">
+                <a16:creationId xmlns:a16="http://schemas.microsoft.com/office/drawing/2014/main" id="{86F7FBA9-F798-4F19-9531-D30D29E7773D}"/>
+              </a:ext>
+            </a:extLst>
+          </p:cNvPr>
+          <p:cNvPicPr>
+            <a:picLocks noChangeAspect="1"/>
+          </p:cNvPicPr>
+          <p:nvPr/>
+        </p:nvPicPr>
+        <p:blipFill>
+          <a:blip r:embed="rId2"/>
+          <a:stretch>
+            <a:fillRect/>
+          </a:stretch>
+        </p:blipFill>
+        <p:spPr>
+          <a:xfrm>
+            <a:off x="262865" y="661875"/>
+            <a:ext cx="4396262" cy="2946027"/>
+          </a:xfrm>
+          <a:prstGeom prst="rect">
+            <a:avLst/>
+          </a:prstGeom>
+          <a:ln w="15875">
+            <a:solidFill>
+              <a:schemeClr val="tx1"/>
+            </a:solidFill>
+          </a:ln>
+        </p:spPr>
+      </p:pic>
+      <p:pic>
+        <p:nvPicPr>
+          <p:cNvPr id="4" name="Picture 3">
+            <a:extLst>
+              <a:ext uri="{FF2B5EF4-FFF2-40B4-BE49-F238E27FC236}">
+                <a16:creationId xmlns:a16="http://schemas.microsoft.com/office/drawing/2014/main" id="{628B3728-6F83-467E-93D8-73D68B531C9E}"/>
+              </a:ext>
+            </a:extLst>
+          </p:cNvPr>
+          <p:cNvPicPr>
+            <a:picLocks noChangeAspect="1"/>
+          </p:cNvPicPr>
+          <p:nvPr/>
+        </p:nvPicPr>
+        <p:blipFill>
+          <a:blip r:embed="rId2"/>
+          <a:stretch>
+            <a:fillRect/>
+          </a:stretch>
+        </p:blipFill>
+        <p:spPr>
+          <a:xfrm>
+            <a:off x="4948566" y="661874"/>
+            <a:ext cx="4396262" cy="2946027"/>
+          </a:xfrm>
+          <a:prstGeom prst="rect">
+            <a:avLst/>
+          </a:prstGeom>
+          <a:ln w="15875">
+            <a:solidFill>
+              <a:schemeClr val="tx1"/>
+            </a:solidFill>
+          </a:ln>
+        </p:spPr>
+      </p:pic>
+      <p:sp>
+        <p:nvSpPr>
+          <p:cNvPr id="5" name="TextBox 4">
+            <a:extLst>
+              <a:ext uri="{FF2B5EF4-FFF2-40B4-BE49-F238E27FC236}">
+                <a16:creationId xmlns:a16="http://schemas.microsoft.com/office/drawing/2014/main" id="{10D72B67-F9C2-4918-9753-94EBEEBAF74B}"/>
+              </a:ext>
+            </a:extLst>
+          </p:cNvPr>
+          <p:cNvSpPr txBox="1"/>
+          <p:nvPr/>
+        </p:nvSpPr>
+        <p:spPr>
+          <a:xfrm>
+            <a:off x="2271515" y="212710"/>
+            <a:ext cx="1472326" cy="307777"/>
+          </a:xfrm>
+          <a:prstGeom prst="rect">
+            <a:avLst/>
+          </a:prstGeom>
+          <a:solidFill>
+            <a:srgbClr val="92D050"/>
+          </a:solidFill>
+          <a:ln>
+            <a:solidFill>
+              <a:schemeClr val="tx1"/>
+            </a:solidFill>
+          </a:ln>
+        </p:spPr>
+        <p:txBody>
+          <a:bodyPr wrap="none" rtlCol="0">
+            <a:spAutoFit/>
+          </a:bodyPr>
+          <a:lstStyle/>
+          <a:p>
+            <a:r>
+              <a:rPr lang="en-IN" sz="1400" dirty="0"/>
+              <a:t>TABLE : Employee</a:t>
+            </a:r>
+          </a:p>
+        </p:txBody>
+      </p:sp>
+      <p:sp>
+        <p:nvSpPr>
+          <p:cNvPr id="6" name="TextBox 5">
+            <a:extLst>
+              <a:ext uri="{FF2B5EF4-FFF2-40B4-BE49-F238E27FC236}">
+                <a16:creationId xmlns:a16="http://schemas.microsoft.com/office/drawing/2014/main" id="{DDDD2173-BAE4-4A59-BC85-08BD38144EE5}"/>
+              </a:ext>
+            </a:extLst>
+          </p:cNvPr>
+          <p:cNvSpPr txBox="1"/>
+          <p:nvPr/>
+        </p:nvSpPr>
+        <p:spPr>
+          <a:xfrm>
+            <a:off x="6441760" y="212709"/>
+            <a:ext cx="1409873" cy="307777"/>
+          </a:xfrm>
+          <a:prstGeom prst="rect">
+            <a:avLst/>
+          </a:prstGeom>
+          <a:solidFill>
+            <a:srgbClr val="92D050"/>
+          </a:solidFill>
+          <a:ln>
+            <a:solidFill>
+              <a:schemeClr val="tx1"/>
+            </a:solidFill>
+          </a:ln>
+        </p:spPr>
+        <p:txBody>
+          <a:bodyPr wrap="none" rtlCol="0">
+            <a:spAutoFit/>
+          </a:bodyPr>
+          <a:lstStyle/>
+          <a:p>
+            <a:r>
+              <a:rPr lang="en-IN" sz="1400" dirty="0"/>
+              <a:t>TABLE : Manager</a:t>
+            </a:r>
+          </a:p>
+        </p:txBody>
+      </p:sp>
+      <p:sp>
+        <p:nvSpPr>
+          <p:cNvPr id="7" name="Rectangle 6">
+            <a:extLst>
+              <a:ext uri="{FF2B5EF4-FFF2-40B4-BE49-F238E27FC236}">
+                <a16:creationId xmlns:a16="http://schemas.microsoft.com/office/drawing/2014/main" id="{F1386F6B-E22C-405C-B1B7-5C49FA20DED5}"/>
+              </a:ext>
+            </a:extLst>
+          </p:cNvPr>
+          <p:cNvSpPr/>
+          <p:nvPr/>
+        </p:nvSpPr>
+        <p:spPr>
+          <a:xfrm>
+            <a:off x="257155" y="87549"/>
+            <a:ext cx="9097611" cy="3530291"/>
+          </a:xfrm>
+          <a:prstGeom prst="rect">
+            <a:avLst/>
+          </a:prstGeom>
+          <a:noFill/>
+          <a:ln w="19050">
+            <a:solidFill>
+              <a:schemeClr val="tx1"/>
+            </a:solidFill>
+          </a:ln>
+          <a:effectLst>
+            <a:outerShdw blurRad="50800" dist="38100" dir="2700000" algn="tl" rotWithShape="0">
+              <a:prstClr val="black">
+                <a:alpha val="40000"/>
+              </a:prstClr>
+            </a:outerShdw>
+          </a:effectLst>
+        </p:spPr>
+        <p:style>
+          <a:lnRef idx="2">
+            <a:schemeClr val="accent1">
+              <a:shade val="50000"/>
+            </a:schemeClr>
+          </a:lnRef>
+          <a:fillRef idx="1">
+            <a:schemeClr val="accent1"/>
+          </a:fillRef>
+          <a:effectRef idx="0">
+            <a:schemeClr val="accent1"/>
+          </a:effectRef>
+          <a:fontRef idx="minor">
+            <a:schemeClr val="lt1"/>
+          </a:fontRef>
+        </p:style>
+        <p:txBody>
+          <a:bodyPr rtlCol="0" anchor="ctr"/>
+          <a:lstStyle/>
+          <a:p>
+            <a:pPr algn="ctr"/>
+            <a:endParaRPr lang="en-IN"/>
+          </a:p>
+        </p:txBody>
+      </p:sp>
     </p:spTree>
     <p:extLst>
       <p:ext uri="{BB962C8B-B14F-4D97-AF65-F5344CB8AC3E}">
@@ -6695,6 +6908,90 @@
           <a:chExt cx="0" cy="0"/>
         </a:xfrm>
       </p:grpSpPr>
+      <p:pic>
+        <p:nvPicPr>
+          <p:cNvPr id="5" name="Picture 4">
+            <a:extLst>
+              <a:ext uri="{FF2B5EF4-FFF2-40B4-BE49-F238E27FC236}">
+                <a16:creationId xmlns:a16="http://schemas.microsoft.com/office/drawing/2014/main" id="{D4FA8D4A-0107-4CFD-BA73-8E7266D35D70}"/>
+              </a:ext>
+            </a:extLst>
+          </p:cNvPr>
+          <p:cNvPicPr>
+            <a:picLocks noChangeAspect="1"/>
+          </p:cNvPicPr>
+          <p:nvPr/>
+        </p:nvPicPr>
+        <p:blipFill>
+          <a:blip r:embed="rId2"/>
+          <a:stretch>
+            <a:fillRect/>
+          </a:stretch>
+        </p:blipFill>
+        <p:spPr>
+          <a:xfrm>
+            <a:off x="209550" y="312196"/>
+            <a:ext cx="4868288" cy="3095853"/>
+          </a:xfrm>
+          <a:prstGeom prst="rect">
+            <a:avLst/>
+          </a:prstGeom>
+          <a:ln w="15875">
+            <a:solidFill>
+              <a:schemeClr val="tx1"/>
+            </a:solidFill>
+          </a:ln>
+          <a:effectLst>
+            <a:outerShdw blurRad="50800" dist="38100" dir="2700000" algn="tl" rotWithShape="0">
+              <a:prstClr val="black">
+                <a:alpha val="40000"/>
+              </a:prstClr>
+            </a:outerShdw>
+          </a:effectLst>
+        </p:spPr>
+      </p:pic>
+      <p:pic>
+        <p:nvPicPr>
+          <p:cNvPr id="7" name="Picture 6">
+            <a:extLst>
+              <a:ext uri="{FF2B5EF4-FFF2-40B4-BE49-F238E27FC236}">
+                <a16:creationId xmlns:a16="http://schemas.microsoft.com/office/drawing/2014/main" id="{392E099A-2B38-4738-B99C-731F9F0769B8}"/>
+              </a:ext>
+            </a:extLst>
+          </p:cNvPr>
+          <p:cNvPicPr>
+            <a:picLocks noChangeAspect="1"/>
+          </p:cNvPicPr>
+          <p:nvPr/>
+        </p:nvPicPr>
+        <p:blipFill>
+          <a:blip r:embed="rId3"/>
+          <a:stretch>
+            <a:fillRect/>
+          </a:stretch>
+        </p:blipFill>
+        <p:spPr>
+          <a:xfrm>
+            <a:off x="209550" y="3830773"/>
+            <a:ext cx="4868288" cy="1362806"/>
+          </a:xfrm>
+          <a:prstGeom prst="rect">
+            <a:avLst/>
+          </a:prstGeom>
+          <a:ln w="15875">
+            <a:solidFill>
+              <a:schemeClr val="tx1"/>
+            </a:solidFill>
+          </a:ln>
+          <a:effectLst>
+            <a:outerShdw blurRad="50800" dist="38100" dir="2700000" algn="tl" rotWithShape="0">
+              <a:prstClr val="black">
+                <a:alpha val="40000"/>
+              </a:prstClr>
+            </a:outerShdw>
+          </a:effectLst>
+        </p:spPr>
+      </p:pic>
     </p:spTree>
     <p:extLst>
       <p:ext uri="{BB962C8B-B14F-4D97-AF65-F5344CB8AC3E}">
